--- a/Additional Resources/pipline illistration.pptx
+++ b/Additional Resources/pipline illistration.pptx
@@ -6,6 +6,7 @@
   </p:sldMasterIdLst>
   <p:sldIdLst>
     <p:sldId id="256" r:id="rId2"/>
+    <p:sldId id="257" r:id="rId3"/>
   </p:sldIdLst>
   <p:sldSz cx="12192000" cy="6858000"/>
   <p:notesSz cx="6858000" cy="9144000"/>
@@ -4136,7 +4137,7 @@
             <a:extLst>
               <a:ext uri="{BEBA8EAE-BF5A-486C-A8C5-ECC9F3942E4B}">
                 <a14:imgProps xmlns:a14="http://schemas.microsoft.com/office/drawing/2010/main">
-                  <a14:imgLayer r:embed="rId3">
+                  <a14:imgLayer r:embed="rId4">
                     <a14:imgEffect>
                       <a14:backgroundRemoval t="10000" b="90000" l="10000" r="90000"/>
                     </a14:imgEffect>
@@ -4192,7 +4193,7 @@
             <a:extLst>
               <a:ext uri="{BEBA8EAE-BF5A-486C-A8C5-ECC9F3942E4B}">
                 <a14:imgProps xmlns:a14="http://schemas.microsoft.com/office/drawing/2010/main">
-                  <a14:imgLayer r:embed="rId3">
+                  <a14:imgLayer r:embed="rId5">
                     <a14:imgEffect>
                       <a14:backgroundRemoval t="10000" b="90000" l="10000" r="90000"/>
                     </a14:imgEffect>
@@ -4248,7 +4249,7 @@
             <a:extLst>
               <a:ext uri="{BEBA8EAE-BF5A-486C-A8C5-ECC9F3942E4B}">
                 <a14:imgProps xmlns:a14="http://schemas.microsoft.com/office/drawing/2010/main">
-                  <a14:imgLayer r:embed="rId3">
+                  <a14:imgLayer r:embed="rId6">
                     <a14:imgEffect>
                       <a14:backgroundRemoval t="10000" b="90000" l="10000" r="90000"/>
                     </a14:imgEffect>
@@ -4304,7 +4305,7 @@
             <a:extLst>
               <a:ext uri="{BEBA8EAE-BF5A-486C-A8C5-ECC9F3942E4B}">
                 <a14:imgProps xmlns:a14="http://schemas.microsoft.com/office/drawing/2010/main">
-                  <a14:imgLayer r:embed="rId4">
+                  <a14:imgLayer r:embed="rId5">
                     <a14:imgEffect>
                       <a14:backgroundRemoval t="10000" b="90000" l="10000" r="90000"/>
                     </a14:imgEffect>
@@ -4360,7 +4361,7 @@
             <a:extLst>
               <a:ext uri="{BEBA8EAE-BF5A-486C-A8C5-ECC9F3942E4B}">
                 <a14:imgProps xmlns:a14="http://schemas.microsoft.com/office/drawing/2010/main">
-                  <a14:imgLayer r:embed="rId5">
+                  <a14:imgLayer r:embed="rId7">
                     <a14:imgEffect>
                       <a14:backgroundRemoval t="10000" b="90000" l="10000" r="90000"/>
                     </a14:imgEffect>
@@ -4416,7 +4417,7 @@
             <a:extLst>
               <a:ext uri="{BEBA8EAE-BF5A-486C-A8C5-ECC9F3942E4B}">
                 <a14:imgProps xmlns:a14="http://schemas.microsoft.com/office/drawing/2010/main">
-                  <a14:imgLayer r:embed="rId6">
+                  <a14:imgLayer r:embed="rId8">
                     <a14:imgEffect>
                       <a14:backgroundRemoval t="10000" b="90000" l="10000" r="90000"/>
                     </a14:imgEffect>
@@ -4472,7 +4473,7 @@
             <a:extLst>
               <a:ext uri="{BEBA8EAE-BF5A-486C-A8C5-ECC9F3942E4B}">
                 <a14:imgProps xmlns:a14="http://schemas.microsoft.com/office/drawing/2010/main">
-                  <a14:imgLayer r:embed="rId7">
+                  <a14:imgLayer r:embed="rId8">
                     <a14:imgEffect>
                       <a14:backgroundRemoval t="10000" b="90000" l="10000" r="90000"/>
                     </a14:imgEffect>
@@ -4528,7 +4529,7 @@
             <a:extLst>
               <a:ext uri="{BEBA8EAE-BF5A-486C-A8C5-ECC9F3942E4B}">
                 <a14:imgProps xmlns:a14="http://schemas.microsoft.com/office/drawing/2010/main">
-                  <a14:imgLayer r:embed="rId6">
+                  <a14:imgLayer r:embed="rId8">
                     <a14:imgEffect>
                       <a14:backgroundRemoval t="10000" b="90000" l="10000" r="90000"/>
                     </a14:imgEffect>
@@ -4620,7 +4621,7 @@
             <a:extLst>
               <a:ext uri="{BEBA8EAE-BF5A-486C-A8C5-ECC9F3942E4B}">
                 <a14:imgProps xmlns:a14="http://schemas.microsoft.com/office/drawing/2010/main">
-                  <a14:imgLayer r:embed="rId3">
+                  <a14:imgLayer r:embed="rId8">
                     <a14:imgEffect>
                       <a14:backgroundRemoval t="10000" b="90000" l="10000" r="90000"/>
                     </a14:imgEffect>
@@ -4709,7 +4710,7 @@
           <p:nvPr/>
         </p:nvPicPr>
         <p:blipFill>
-          <a:blip r:embed="rId8">
+          <a:blip r:embed="rId9">
             <a:extLst>
               <a:ext uri="{28A0092B-C50C-407E-A947-70E740481C1C}">
                 <a14:useLocalDpi xmlns:a14="http://schemas.microsoft.com/office/drawing/2010/main" val="0"/>
@@ -4756,7 +4757,7 @@
           <p:nvPr/>
         </p:nvPicPr>
         <p:blipFill>
-          <a:blip r:embed="rId9">
+          <a:blip r:embed="rId10">
             <a:extLst>
               <a:ext uri="{28A0092B-C50C-407E-A947-70E740481C1C}">
                 <a14:useLocalDpi xmlns:a14="http://schemas.microsoft.com/office/drawing/2010/main" val="0"/>
@@ -4792,6 +4793,796 @@
     <p:extLst>
       <p:ext uri="{BB962C8B-B14F-4D97-AF65-F5344CB8AC3E}">
         <p14:creationId xmlns:p14="http://schemas.microsoft.com/office/powerpoint/2010/main" val="786748629"/>
+      </p:ext>
+    </p:extLst>
+  </p:cSld>
+  <p:clrMapOvr>
+    <a:masterClrMapping/>
+  </p:clrMapOvr>
+</p:sld>
+</file>
+
+<file path=ppt/slides/slide2.xml><?xml version="1.0" encoding="utf-8"?>
+<p:sld xmlns:a="http://schemas.openxmlformats.org/drawingml/2006/main" xmlns:r="http://schemas.openxmlformats.org/officeDocument/2006/relationships" xmlns:p="http://schemas.openxmlformats.org/presentationml/2006/main">
+  <p:cSld>
+    <p:spTree>
+      <p:nvGrpSpPr>
+        <p:cNvPr id="1" name=""/>
+        <p:cNvGrpSpPr/>
+        <p:nvPr/>
+      </p:nvGrpSpPr>
+      <p:grpSpPr>
+        <a:xfrm>
+          <a:off x="0" y="0"/>
+          <a:ext cx="0" cy="0"/>
+          <a:chOff x="0" y="0"/>
+          <a:chExt cx="0" cy="0"/>
+        </a:xfrm>
+      </p:grpSpPr>
+      <p:sp>
+        <p:nvSpPr>
+          <p:cNvPr id="2" name="Rounded Rectangle 1">
+            <a:extLst>
+              <a:ext uri="{FF2B5EF4-FFF2-40B4-BE49-F238E27FC236}">
+                <a16:creationId xmlns:a16="http://schemas.microsoft.com/office/drawing/2014/main" id="{D704EC2D-82EE-9040-8AC3-16DB57C0F78B}"/>
+              </a:ext>
+            </a:extLst>
+          </p:cNvPr>
+          <p:cNvSpPr/>
+          <p:nvPr/>
+        </p:nvSpPr>
+        <p:spPr>
+          <a:xfrm>
+            <a:off x="4220774" y="395634"/>
+            <a:ext cx="999178" cy="593452"/>
+          </a:xfrm>
+          <a:prstGeom prst="roundRect">
+            <a:avLst/>
+          </a:prstGeom>
+          <a:noFill/>
+          <a:ln>
+            <a:solidFill>
+              <a:schemeClr val="tx1"/>
+            </a:solidFill>
+          </a:ln>
+        </p:spPr>
+        <p:style>
+          <a:lnRef idx="2">
+            <a:schemeClr val="accent1">
+              <a:shade val="50000"/>
+            </a:schemeClr>
+          </a:lnRef>
+          <a:fillRef idx="1">
+            <a:schemeClr val="accent1"/>
+          </a:fillRef>
+          <a:effectRef idx="0">
+            <a:schemeClr val="accent1"/>
+          </a:effectRef>
+          <a:fontRef idx="minor">
+            <a:schemeClr val="lt1"/>
+          </a:fontRef>
+        </p:style>
+        <p:txBody>
+          <a:bodyPr rtlCol="0" anchor="ctr"/>
+          <a:lstStyle/>
+          <a:p>
+            <a:pPr algn="ctr"/>
+            <a:r>
+              <a:rPr lang="en-GB" sz="1200" dirty="0">
+                <a:solidFill>
+                  <a:schemeClr val="tx1"/>
+                </a:solidFill>
+              </a:rPr>
+              <a:t>Index</a:t>
+            </a:r>
+            <a:endParaRPr lang="en-GB" dirty="0">
+              <a:solidFill>
+                <a:schemeClr val="tx1"/>
+              </a:solidFill>
+            </a:endParaRPr>
+          </a:p>
+        </p:txBody>
+      </p:sp>
+      <p:sp>
+        <p:nvSpPr>
+          <p:cNvPr id="38" name="Rounded Rectangle 37">
+            <a:extLst>
+              <a:ext uri="{FF2B5EF4-FFF2-40B4-BE49-F238E27FC236}">
+                <a16:creationId xmlns:a16="http://schemas.microsoft.com/office/drawing/2014/main" id="{8E34FFF4-955A-9144-9A9E-CCC1199A69EE}"/>
+              </a:ext>
+            </a:extLst>
+          </p:cNvPr>
+          <p:cNvSpPr/>
+          <p:nvPr/>
+        </p:nvSpPr>
+        <p:spPr>
+          <a:xfrm>
+            <a:off x="5596411" y="1321136"/>
+            <a:ext cx="999178" cy="593452"/>
+          </a:xfrm>
+          <a:prstGeom prst="roundRect">
+            <a:avLst/>
+          </a:prstGeom>
+          <a:noFill/>
+          <a:ln>
+            <a:solidFill>
+              <a:schemeClr val="tx1"/>
+            </a:solidFill>
+          </a:ln>
+        </p:spPr>
+        <p:style>
+          <a:lnRef idx="2">
+            <a:schemeClr val="accent1">
+              <a:shade val="50000"/>
+            </a:schemeClr>
+          </a:lnRef>
+          <a:fillRef idx="1">
+            <a:schemeClr val="accent1"/>
+          </a:fillRef>
+          <a:effectRef idx="0">
+            <a:schemeClr val="accent1"/>
+          </a:effectRef>
+          <a:fontRef idx="minor">
+            <a:schemeClr val="lt1"/>
+          </a:fontRef>
+        </p:style>
+        <p:txBody>
+          <a:bodyPr rtlCol="0" anchor="ctr"/>
+          <a:lstStyle/>
+          <a:p>
+            <a:pPr algn="ctr"/>
+            <a:r>
+              <a:rPr lang="en-GB" sz="1200" dirty="0">
+                <a:solidFill>
+                  <a:schemeClr val="tx1"/>
+                </a:solidFill>
+              </a:rPr>
+              <a:t>Comparison</a:t>
+            </a:r>
+          </a:p>
+        </p:txBody>
+      </p:sp>
+      <p:sp>
+        <p:nvSpPr>
+          <p:cNvPr id="39" name="Rounded Rectangle 38">
+            <a:extLst>
+              <a:ext uri="{FF2B5EF4-FFF2-40B4-BE49-F238E27FC236}">
+                <a16:creationId xmlns:a16="http://schemas.microsoft.com/office/drawing/2014/main" id="{A6929A8E-D85D-B142-8396-391F211CA4C9}"/>
+              </a:ext>
+            </a:extLst>
+          </p:cNvPr>
+          <p:cNvSpPr/>
+          <p:nvPr/>
+        </p:nvSpPr>
+        <p:spPr>
+          <a:xfrm>
+            <a:off x="5369325" y="2580707"/>
+            <a:ext cx="999178" cy="593452"/>
+          </a:xfrm>
+          <a:prstGeom prst="roundRect">
+            <a:avLst/>
+          </a:prstGeom>
+          <a:noFill/>
+          <a:ln>
+            <a:solidFill>
+              <a:schemeClr val="tx1"/>
+            </a:solidFill>
+          </a:ln>
+        </p:spPr>
+        <p:style>
+          <a:lnRef idx="2">
+            <a:schemeClr val="accent1">
+              <a:shade val="50000"/>
+            </a:schemeClr>
+          </a:lnRef>
+          <a:fillRef idx="1">
+            <a:schemeClr val="accent1"/>
+          </a:fillRef>
+          <a:effectRef idx="0">
+            <a:schemeClr val="accent1"/>
+          </a:effectRef>
+          <a:fontRef idx="minor">
+            <a:schemeClr val="lt1"/>
+          </a:fontRef>
+        </p:style>
+        <p:txBody>
+          <a:bodyPr rtlCol="0" anchor="ctr"/>
+          <a:lstStyle/>
+          <a:p>
+            <a:pPr algn="ctr"/>
+            <a:r>
+              <a:rPr lang="en-GB" sz="1200" dirty="0">
+                <a:solidFill>
+                  <a:schemeClr val="tx1"/>
+                </a:solidFill>
+              </a:rPr>
+              <a:t>Results</a:t>
+            </a:r>
+          </a:p>
+        </p:txBody>
+      </p:sp>
+      <p:sp>
+        <p:nvSpPr>
+          <p:cNvPr id="41" name="Rounded Rectangle 40">
+            <a:extLst>
+              <a:ext uri="{FF2B5EF4-FFF2-40B4-BE49-F238E27FC236}">
+                <a16:creationId xmlns:a16="http://schemas.microsoft.com/office/drawing/2014/main" id="{608F1EAD-A839-2847-9B04-D7FBC7131FA0}"/>
+              </a:ext>
+            </a:extLst>
+          </p:cNvPr>
+          <p:cNvSpPr/>
+          <p:nvPr/>
+        </p:nvSpPr>
+        <p:spPr>
+          <a:xfrm>
+            <a:off x="3084334" y="2578688"/>
+            <a:ext cx="999178" cy="593452"/>
+          </a:xfrm>
+          <a:prstGeom prst="roundRect">
+            <a:avLst/>
+          </a:prstGeom>
+          <a:noFill/>
+          <a:ln>
+            <a:solidFill>
+              <a:schemeClr val="tx1"/>
+            </a:solidFill>
+          </a:ln>
+        </p:spPr>
+        <p:style>
+          <a:lnRef idx="2">
+            <a:schemeClr val="accent1">
+              <a:shade val="50000"/>
+            </a:schemeClr>
+          </a:lnRef>
+          <a:fillRef idx="1">
+            <a:schemeClr val="accent1"/>
+          </a:fillRef>
+          <a:effectRef idx="0">
+            <a:schemeClr val="accent1"/>
+          </a:effectRef>
+          <a:fontRef idx="minor">
+            <a:schemeClr val="lt1"/>
+          </a:fontRef>
+        </p:style>
+        <p:txBody>
+          <a:bodyPr rtlCol="0" anchor="ctr"/>
+          <a:lstStyle/>
+          <a:p>
+            <a:pPr algn="ctr"/>
+            <a:r>
+              <a:rPr lang="en-GB" sz="1100" dirty="0">
+                <a:solidFill>
+                  <a:schemeClr val="tx1"/>
+                </a:solidFill>
+              </a:rPr>
+              <a:t>What is Comparative Judgement</a:t>
+            </a:r>
+          </a:p>
+        </p:txBody>
+      </p:sp>
+      <p:sp>
+        <p:nvSpPr>
+          <p:cNvPr id="42" name="Rounded Rectangle 41">
+            <a:extLst>
+              <a:ext uri="{FF2B5EF4-FFF2-40B4-BE49-F238E27FC236}">
+                <a16:creationId xmlns:a16="http://schemas.microsoft.com/office/drawing/2014/main" id="{AF78A976-5A29-2F4E-A250-F4C72DB0AD5F}"/>
+              </a:ext>
+            </a:extLst>
+          </p:cNvPr>
+          <p:cNvSpPr/>
+          <p:nvPr/>
+        </p:nvSpPr>
+        <p:spPr>
+          <a:xfrm>
+            <a:off x="2811831" y="1312052"/>
+            <a:ext cx="999178" cy="593452"/>
+          </a:xfrm>
+          <a:prstGeom prst="roundRect">
+            <a:avLst/>
+          </a:prstGeom>
+          <a:noFill/>
+          <a:ln>
+            <a:solidFill>
+              <a:schemeClr val="tx1"/>
+            </a:solidFill>
+          </a:ln>
+        </p:spPr>
+        <p:style>
+          <a:lnRef idx="2">
+            <a:schemeClr val="accent1">
+              <a:shade val="50000"/>
+            </a:schemeClr>
+          </a:lnRef>
+          <a:fillRef idx="1">
+            <a:schemeClr val="accent1"/>
+          </a:fillRef>
+          <a:effectRef idx="0">
+            <a:schemeClr val="accent1"/>
+          </a:effectRef>
+          <a:fontRef idx="minor">
+            <a:schemeClr val="lt1"/>
+          </a:fontRef>
+        </p:style>
+        <p:txBody>
+          <a:bodyPr rtlCol="0" anchor="ctr"/>
+          <a:lstStyle/>
+          <a:p>
+            <a:pPr algn="ctr"/>
+            <a:r>
+              <a:rPr lang="en-GB" sz="1200" dirty="0">
+                <a:solidFill>
+                  <a:schemeClr val="tx1"/>
+                </a:solidFill>
+              </a:rPr>
+              <a:t>Feedback</a:t>
+            </a:r>
+          </a:p>
+        </p:txBody>
+      </p:sp>
+      <p:cxnSp>
+        <p:nvCxnSpPr>
+          <p:cNvPr id="43" name="Straight Arrow Connector 42">
+            <a:extLst>
+              <a:ext uri="{FF2B5EF4-FFF2-40B4-BE49-F238E27FC236}">
+                <a16:creationId xmlns:a16="http://schemas.microsoft.com/office/drawing/2014/main" id="{BA00A2D9-9666-D44F-9A95-58FAD22F7C7B}"/>
+              </a:ext>
+            </a:extLst>
+          </p:cNvPr>
+          <p:cNvCxnSpPr>
+            <a:stCxn id="42" idx="3"/>
+            <a:endCxn id="2" idx="2"/>
+          </p:cNvCxnSpPr>
+          <p:nvPr/>
+        </p:nvCxnSpPr>
+        <p:spPr>
+          <a:xfrm flipV="1">
+            <a:off x="3811009" y="989086"/>
+            <a:ext cx="909354" cy="619692"/>
+          </a:xfrm>
+          <a:prstGeom prst="straightConnector1">
+            <a:avLst/>
+          </a:prstGeom>
+          <a:ln>
+            <a:solidFill>
+              <a:schemeClr val="tx1"/>
+            </a:solidFill>
+            <a:headEnd type="triangle"/>
+            <a:tailEnd type="triangle"/>
+          </a:ln>
+        </p:spPr>
+        <p:style>
+          <a:lnRef idx="1">
+            <a:schemeClr val="accent1"/>
+          </a:lnRef>
+          <a:fillRef idx="0">
+            <a:schemeClr val="accent1"/>
+          </a:fillRef>
+          <a:effectRef idx="0">
+            <a:schemeClr val="accent1"/>
+          </a:effectRef>
+          <a:fontRef idx="minor">
+            <a:schemeClr val="tx1"/>
+          </a:fontRef>
+        </p:style>
+      </p:cxnSp>
+      <p:cxnSp>
+        <p:nvCxnSpPr>
+          <p:cNvPr id="45" name="Straight Arrow Connector 44">
+            <a:extLst>
+              <a:ext uri="{FF2B5EF4-FFF2-40B4-BE49-F238E27FC236}">
+                <a16:creationId xmlns:a16="http://schemas.microsoft.com/office/drawing/2014/main" id="{91882800-123D-4747-BFF7-D1B233EF3DFD}"/>
+              </a:ext>
+            </a:extLst>
+          </p:cNvPr>
+          <p:cNvCxnSpPr>
+            <a:stCxn id="2" idx="2"/>
+            <a:endCxn id="41" idx="3"/>
+          </p:cNvCxnSpPr>
+          <p:nvPr/>
+        </p:nvCxnSpPr>
+        <p:spPr>
+          <a:xfrm flipH="1">
+            <a:off x="4083512" y="989086"/>
+            <a:ext cx="636851" cy="1886328"/>
+          </a:xfrm>
+          <a:prstGeom prst="straightConnector1">
+            <a:avLst/>
+          </a:prstGeom>
+          <a:ln>
+            <a:solidFill>
+              <a:schemeClr val="tx1"/>
+            </a:solidFill>
+            <a:headEnd type="triangle"/>
+            <a:tailEnd type="triangle"/>
+          </a:ln>
+        </p:spPr>
+        <p:style>
+          <a:lnRef idx="1">
+            <a:schemeClr val="accent1"/>
+          </a:lnRef>
+          <a:fillRef idx="0">
+            <a:schemeClr val="accent1"/>
+          </a:fillRef>
+          <a:effectRef idx="0">
+            <a:schemeClr val="accent1"/>
+          </a:effectRef>
+          <a:fontRef idx="minor">
+            <a:schemeClr val="tx1"/>
+          </a:fontRef>
+        </p:style>
+      </p:cxnSp>
+      <p:cxnSp>
+        <p:nvCxnSpPr>
+          <p:cNvPr id="47" name="Straight Arrow Connector 46">
+            <a:extLst>
+              <a:ext uri="{FF2B5EF4-FFF2-40B4-BE49-F238E27FC236}">
+                <a16:creationId xmlns:a16="http://schemas.microsoft.com/office/drawing/2014/main" id="{15153629-EBF7-0F48-A25B-7B9E07CDB9B4}"/>
+              </a:ext>
+            </a:extLst>
+          </p:cNvPr>
+          <p:cNvCxnSpPr>
+            <a:stCxn id="2" idx="2"/>
+            <a:endCxn id="38" idx="1"/>
+          </p:cNvCxnSpPr>
+          <p:nvPr/>
+        </p:nvCxnSpPr>
+        <p:spPr>
+          <a:xfrm>
+            <a:off x="4720363" y="989086"/>
+            <a:ext cx="876048" cy="628776"/>
+          </a:xfrm>
+          <a:prstGeom prst="straightConnector1">
+            <a:avLst/>
+          </a:prstGeom>
+          <a:ln>
+            <a:solidFill>
+              <a:schemeClr val="tx1"/>
+            </a:solidFill>
+            <a:headEnd type="triangle"/>
+            <a:tailEnd type="triangle"/>
+          </a:ln>
+        </p:spPr>
+        <p:style>
+          <a:lnRef idx="1">
+            <a:schemeClr val="accent1"/>
+          </a:lnRef>
+          <a:fillRef idx="0">
+            <a:schemeClr val="accent1"/>
+          </a:fillRef>
+          <a:effectRef idx="0">
+            <a:schemeClr val="accent1"/>
+          </a:effectRef>
+          <a:fontRef idx="minor">
+            <a:schemeClr val="tx1"/>
+          </a:fontRef>
+        </p:style>
+      </p:cxnSp>
+      <p:cxnSp>
+        <p:nvCxnSpPr>
+          <p:cNvPr id="49" name="Straight Arrow Connector 48">
+            <a:extLst>
+              <a:ext uri="{FF2B5EF4-FFF2-40B4-BE49-F238E27FC236}">
+                <a16:creationId xmlns:a16="http://schemas.microsoft.com/office/drawing/2014/main" id="{9AA5C806-BC3C-FD4D-8F52-A89374AED976}"/>
+              </a:ext>
+            </a:extLst>
+          </p:cNvPr>
+          <p:cNvCxnSpPr>
+            <a:stCxn id="2" idx="2"/>
+            <a:endCxn id="39" idx="1"/>
+          </p:cNvCxnSpPr>
+          <p:nvPr/>
+        </p:nvCxnSpPr>
+        <p:spPr>
+          <a:xfrm>
+            <a:off x="4720363" y="989086"/>
+            <a:ext cx="648962" cy="1888347"/>
+          </a:xfrm>
+          <a:prstGeom prst="straightConnector1">
+            <a:avLst/>
+          </a:prstGeom>
+          <a:ln>
+            <a:solidFill>
+              <a:schemeClr val="tx1"/>
+            </a:solidFill>
+            <a:headEnd type="triangle"/>
+            <a:tailEnd type="triangle"/>
+          </a:ln>
+        </p:spPr>
+        <p:style>
+          <a:lnRef idx="1">
+            <a:schemeClr val="accent1"/>
+          </a:lnRef>
+          <a:fillRef idx="0">
+            <a:schemeClr val="accent1"/>
+          </a:fillRef>
+          <a:effectRef idx="0">
+            <a:schemeClr val="accent1"/>
+          </a:effectRef>
+          <a:fontRef idx="minor">
+            <a:schemeClr val="tx1"/>
+          </a:fontRef>
+        </p:style>
+      </p:cxnSp>
+      <p:cxnSp>
+        <p:nvCxnSpPr>
+          <p:cNvPr id="51" name="Straight Arrow Connector 50">
+            <a:extLst>
+              <a:ext uri="{FF2B5EF4-FFF2-40B4-BE49-F238E27FC236}">
+                <a16:creationId xmlns:a16="http://schemas.microsoft.com/office/drawing/2014/main" id="{EBAF0B62-3A48-B54B-A551-8333430C33D0}"/>
+              </a:ext>
+            </a:extLst>
+          </p:cNvPr>
+          <p:cNvCxnSpPr>
+            <a:stCxn id="42" idx="3"/>
+            <a:endCxn id="41" idx="3"/>
+          </p:cNvCxnSpPr>
+          <p:nvPr/>
+        </p:nvCxnSpPr>
+        <p:spPr>
+          <a:xfrm>
+            <a:off x="3811009" y="1608778"/>
+            <a:ext cx="272503" cy="1266636"/>
+          </a:xfrm>
+          <a:prstGeom prst="straightConnector1">
+            <a:avLst/>
+          </a:prstGeom>
+          <a:ln>
+            <a:solidFill>
+              <a:schemeClr val="tx1"/>
+            </a:solidFill>
+            <a:headEnd type="triangle"/>
+            <a:tailEnd type="triangle"/>
+          </a:ln>
+        </p:spPr>
+        <p:style>
+          <a:lnRef idx="1">
+            <a:schemeClr val="accent1"/>
+          </a:lnRef>
+          <a:fillRef idx="0">
+            <a:schemeClr val="accent1"/>
+          </a:fillRef>
+          <a:effectRef idx="0">
+            <a:schemeClr val="accent1"/>
+          </a:effectRef>
+          <a:fontRef idx="minor">
+            <a:schemeClr val="tx1"/>
+          </a:fontRef>
+        </p:style>
+      </p:cxnSp>
+      <p:cxnSp>
+        <p:nvCxnSpPr>
+          <p:cNvPr id="53" name="Straight Arrow Connector 52">
+            <a:extLst>
+              <a:ext uri="{FF2B5EF4-FFF2-40B4-BE49-F238E27FC236}">
+                <a16:creationId xmlns:a16="http://schemas.microsoft.com/office/drawing/2014/main" id="{B3EC322A-0FD2-A24B-874E-55CF9AC6C558}"/>
+              </a:ext>
+            </a:extLst>
+          </p:cNvPr>
+          <p:cNvCxnSpPr>
+            <a:stCxn id="42" idx="3"/>
+            <a:endCxn id="38" idx="1"/>
+          </p:cNvCxnSpPr>
+          <p:nvPr/>
+        </p:nvCxnSpPr>
+        <p:spPr>
+          <a:xfrm>
+            <a:off x="3811009" y="1608778"/>
+            <a:ext cx="1785402" cy="9084"/>
+          </a:xfrm>
+          <a:prstGeom prst="straightConnector1">
+            <a:avLst/>
+          </a:prstGeom>
+          <a:ln>
+            <a:solidFill>
+              <a:schemeClr val="tx1"/>
+            </a:solidFill>
+            <a:headEnd type="triangle"/>
+            <a:tailEnd type="triangle"/>
+          </a:ln>
+        </p:spPr>
+        <p:style>
+          <a:lnRef idx="1">
+            <a:schemeClr val="accent1"/>
+          </a:lnRef>
+          <a:fillRef idx="0">
+            <a:schemeClr val="accent1"/>
+          </a:fillRef>
+          <a:effectRef idx="0">
+            <a:schemeClr val="accent1"/>
+          </a:effectRef>
+          <a:fontRef idx="minor">
+            <a:schemeClr val="tx1"/>
+          </a:fontRef>
+        </p:style>
+      </p:cxnSp>
+      <p:cxnSp>
+        <p:nvCxnSpPr>
+          <p:cNvPr id="55" name="Straight Arrow Connector 54">
+            <a:extLst>
+              <a:ext uri="{FF2B5EF4-FFF2-40B4-BE49-F238E27FC236}">
+                <a16:creationId xmlns:a16="http://schemas.microsoft.com/office/drawing/2014/main" id="{D2481875-9AA1-AB48-B65E-1F64666E8E5F}"/>
+              </a:ext>
+            </a:extLst>
+          </p:cNvPr>
+          <p:cNvCxnSpPr>
+            <a:stCxn id="42" idx="3"/>
+            <a:endCxn id="39" idx="1"/>
+          </p:cNvCxnSpPr>
+          <p:nvPr/>
+        </p:nvCxnSpPr>
+        <p:spPr>
+          <a:xfrm>
+            <a:off x="3811009" y="1608778"/>
+            <a:ext cx="1558316" cy="1268655"/>
+          </a:xfrm>
+          <a:prstGeom prst="straightConnector1">
+            <a:avLst/>
+          </a:prstGeom>
+          <a:ln>
+            <a:solidFill>
+              <a:schemeClr val="tx1"/>
+            </a:solidFill>
+            <a:headEnd type="triangle"/>
+            <a:tailEnd type="triangle"/>
+          </a:ln>
+        </p:spPr>
+        <p:style>
+          <a:lnRef idx="1">
+            <a:schemeClr val="accent1"/>
+          </a:lnRef>
+          <a:fillRef idx="0">
+            <a:schemeClr val="accent1"/>
+          </a:fillRef>
+          <a:effectRef idx="0">
+            <a:schemeClr val="accent1"/>
+          </a:effectRef>
+          <a:fontRef idx="minor">
+            <a:schemeClr val="tx1"/>
+          </a:fontRef>
+        </p:style>
+      </p:cxnSp>
+      <p:cxnSp>
+        <p:nvCxnSpPr>
+          <p:cNvPr id="59" name="Straight Arrow Connector 58">
+            <a:extLst>
+              <a:ext uri="{FF2B5EF4-FFF2-40B4-BE49-F238E27FC236}">
+                <a16:creationId xmlns:a16="http://schemas.microsoft.com/office/drawing/2014/main" id="{A132A71D-8F00-E14B-BDF1-C86F931576D2}"/>
+              </a:ext>
+            </a:extLst>
+          </p:cNvPr>
+          <p:cNvCxnSpPr>
+            <a:stCxn id="38" idx="1"/>
+            <a:endCxn id="41" idx="3"/>
+          </p:cNvCxnSpPr>
+          <p:nvPr/>
+        </p:nvCxnSpPr>
+        <p:spPr>
+          <a:xfrm flipH="1">
+            <a:off x="4083512" y="1617862"/>
+            <a:ext cx="1512899" cy="1257552"/>
+          </a:xfrm>
+          <a:prstGeom prst="straightConnector1">
+            <a:avLst/>
+          </a:prstGeom>
+          <a:ln>
+            <a:solidFill>
+              <a:schemeClr val="tx1"/>
+            </a:solidFill>
+            <a:headEnd type="triangle"/>
+            <a:tailEnd type="triangle"/>
+          </a:ln>
+        </p:spPr>
+        <p:style>
+          <a:lnRef idx="1">
+            <a:schemeClr val="accent1"/>
+          </a:lnRef>
+          <a:fillRef idx="0">
+            <a:schemeClr val="accent1"/>
+          </a:fillRef>
+          <a:effectRef idx="0">
+            <a:schemeClr val="accent1"/>
+          </a:effectRef>
+          <a:fontRef idx="minor">
+            <a:schemeClr val="tx1"/>
+          </a:fontRef>
+        </p:style>
+      </p:cxnSp>
+      <p:cxnSp>
+        <p:nvCxnSpPr>
+          <p:cNvPr id="61" name="Straight Arrow Connector 60">
+            <a:extLst>
+              <a:ext uri="{FF2B5EF4-FFF2-40B4-BE49-F238E27FC236}">
+                <a16:creationId xmlns:a16="http://schemas.microsoft.com/office/drawing/2014/main" id="{1872E60C-DA08-D34D-963B-116F3D3FD302}"/>
+              </a:ext>
+            </a:extLst>
+          </p:cNvPr>
+          <p:cNvCxnSpPr>
+            <a:stCxn id="38" idx="1"/>
+            <a:endCxn id="39" idx="1"/>
+          </p:cNvCxnSpPr>
+          <p:nvPr/>
+        </p:nvCxnSpPr>
+        <p:spPr>
+          <a:xfrm flipH="1">
+            <a:off x="5369325" y="1617862"/>
+            <a:ext cx="227086" cy="1259571"/>
+          </a:xfrm>
+          <a:prstGeom prst="straightConnector1">
+            <a:avLst/>
+          </a:prstGeom>
+          <a:ln>
+            <a:solidFill>
+              <a:schemeClr val="tx1"/>
+            </a:solidFill>
+            <a:headEnd type="triangle"/>
+            <a:tailEnd type="triangle"/>
+          </a:ln>
+        </p:spPr>
+        <p:style>
+          <a:lnRef idx="1">
+            <a:schemeClr val="accent1"/>
+          </a:lnRef>
+          <a:fillRef idx="0">
+            <a:schemeClr val="accent1"/>
+          </a:fillRef>
+          <a:effectRef idx="0">
+            <a:schemeClr val="accent1"/>
+          </a:effectRef>
+          <a:fontRef idx="minor">
+            <a:schemeClr val="tx1"/>
+          </a:fontRef>
+        </p:style>
+      </p:cxnSp>
+      <p:cxnSp>
+        <p:nvCxnSpPr>
+          <p:cNvPr id="1025" name="Straight Arrow Connector 1024">
+            <a:extLst>
+              <a:ext uri="{FF2B5EF4-FFF2-40B4-BE49-F238E27FC236}">
+                <a16:creationId xmlns:a16="http://schemas.microsoft.com/office/drawing/2014/main" id="{FE23F04E-BFE4-D048-9C30-0003C8B84E3C}"/>
+              </a:ext>
+            </a:extLst>
+          </p:cNvPr>
+          <p:cNvCxnSpPr>
+            <a:stCxn id="39" idx="1"/>
+            <a:endCxn id="41" idx="3"/>
+          </p:cNvCxnSpPr>
+          <p:nvPr/>
+        </p:nvCxnSpPr>
+        <p:spPr>
+          <a:xfrm flipH="1" flipV="1">
+            <a:off x="4083512" y="2875414"/>
+            <a:ext cx="1285813" cy="2019"/>
+          </a:xfrm>
+          <a:prstGeom prst="straightConnector1">
+            <a:avLst/>
+          </a:prstGeom>
+          <a:ln>
+            <a:solidFill>
+              <a:schemeClr val="tx1"/>
+            </a:solidFill>
+            <a:headEnd type="triangle"/>
+            <a:tailEnd type="triangle"/>
+          </a:ln>
+        </p:spPr>
+        <p:style>
+          <a:lnRef idx="1">
+            <a:schemeClr val="accent1"/>
+          </a:lnRef>
+          <a:fillRef idx="0">
+            <a:schemeClr val="accent1"/>
+          </a:fillRef>
+          <a:effectRef idx="0">
+            <a:schemeClr val="accent1"/>
+          </a:effectRef>
+          <a:fontRef idx="minor">
+            <a:schemeClr val="tx1"/>
+          </a:fontRef>
+        </p:style>
+      </p:cxnSp>
+    </p:spTree>
+    <p:extLst>
+      <p:ext uri="{BB962C8B-B14F-4D97-AF65-F5344CB8AC3E}">
+        <p14:creationId xmlns:p14="http://schemas.microsoft.com/office/powerpoint/2010/main" val="3879093517"/>
       </p:ext>
     </p:extLst>
   </p:cSld>
